--- a/doc/Introduction-about-the-example.pptx
+++ b/doc/Introduction-about-the-example.pptx
@@ -208,7 +208,7 @@
           <a:p>
             <a:fld id="{E4F2E360-E77E-2D4D-BEF8-7A331A32D95C}" type="datetimeFigureOut">
               <a:rPr lang="en-US" smtClean="0"/>
-              <a:t>8/13/18</a:t>
+              <a:t>8/28/18</a:t>
             </a:fld>
             <a:endParaRPr lang="en-US"/>
           </a:p>
@@ -943,7 +943,7 @@
           <a:p>
             <a:fld id="{A0ED488F-2A15-9E45-85AE-3D27A09830A3}" type="datetimeFigureOut">
               <a:rPr lang="en-US" smtClean="0"/>
-              <a:t>8/13/18</a:t>
+              <a:t>8/28/18</a:t>
             </a:fld>
             <a:endParaRPr lang="en-US"/>
           </a:p>
@@ -1113,7 +1113,7 @@
           <a:p>
             <a:fld id="{A0ED488F-2A15-9E45-85AE-3D27A09830A3}" type="datetimeFigureOut">
               <a:rPr lang="en-US" smtClean="0"/>
-              <a:t>8/13/18</a:t>
+              <a:t>8/28/18</a:t>
             </a:fld>
             <a:endParaRPr lang="en-US"/>
           </a:p>
@@ -1293,7 +1293,7 @@
           <a:p>
             <a:fld id="{A0ED488F-2A15-9E45-85AE-3D27A09830A3}" type="datetimeFigureOut">
               <a:rPr lang="en-US" smtClean="0"/>
-              <a:t>8/13/18</a:t>
+              <a:t>8/28/18</a:t>
             </a:fld>
             <a:endParaRPr lang="en-US"/>
           </a:p>
@@ -1463,7 +1463,7 @@
           <a:p>
             <a:fld id="{A0ED488F-2A15-9E45-85AE-3D27A09830A3}" type="datetimeFigureOut">
               <a:rPr lang="en-US" smtClean="0"/>
-              <a:t>8/13/18</a:t>
+              <a:t>8/28/18</a:t>
             </a:fld>
             <a:endParaRPr lang="en-US"/>
           </a:p>
@@ -1709,7 +1709,7 @@
           <a:p>
             <a:fld id="{A0ED488F-2A15-9E45-85AE-3D27A09830A3}" type="datetimeFigureOut">
               <a:rPr lang="en-US" smtClean="0"/>
-              <a:t>8/13/18</a:t>
+              <a:t>8/28/18</a:t>
             </a:fld>
             <a:endParaRPr lang="en-US"/>
           </a:p>
@@ -1941,7 +1941,7 @@
           <a:p>
             <a:fld id="{A0ED488F-2A15-9E45-85AE-3D27A09830A3}" type="datetimeFigureOut">
               <a:rPr lang="en-US" smtClean="0"/>
-              <a:t>8/13/18</a:t>
+              <a:t>8/28/18</a:t>
             </a:fld>
             <a:endParaRPr lang="en-US"/>
           </a:p>
@@ -2308,7 +2308,7 @@
           <a:p>
             <a:fld id="{A0ED488F-2A15-9E45-85AE-3D27A09830A3}" type="datetimeFigureOut">
               <a:rPr lang="en-US" smtClean="0"/>
-              <a:t>8/13/18</a:t>
+              <a:t>8/28/18</a:t>
             </a:fld>
             <a:endParaRPr lang="en-US"/>
           </a:p>
@@ -2426,7 +2426,7 @@
           <a:p>
             <a:fld id="{A0ED488F-2A15-9E45-85AE-3D27A09830A3}" type="datetimeFigureOut">
               <a:rPr lang="en-US" smtClean="0"/>
-              <a:t>8/13/18</a:t>
+              <a:t>8/28/18</a:t>
             </a:fld>
             <a:endParaRPr lang="en-US"/>
           </a:p>
@@ -2521,7 +2521,7 @@
           <a:p>
             <a:fld id="{A0ED488F-2A15-9E45-85AE-3D27A09830A3}" type="datetimeFigureOut">
               <a:rPr lang="en-US" smtClean="0"/>
-              <a:t>8/13/18</a:t>
+              <a:t>8/28/18</a:t>
             </a:fld>
             <a:endParaRPr lang="en-US"/>
           </a:p>
@@ -2798,7 +2798,7 @@
           <a:p>
             <a:fld id="{A0ED488F-2A15-9E45-85AE-3D27A09830A3}" type="datetimeFigureOut">
               <a:rPr lang="en-US" smtClean="0"/>
-              <a:t>8/13/18</a:t>
+              <a:t>8/28/18</a:t>
             </a:fld>
             <a:endParaRPr lang="en-US"/>
           </a:p>
@@ -3051,7 +3051,7 @@
           <a:p>
             <a:fld id="{A0ED488F-2A15-9E45-85AE-3D27A09830A3}" type="datetimeFigureOut">
               <a:rPr lang="en-US" smtClean="0"/>
-              <a:t>8/13/18</a:t>
+              <a:t>8/28/18</a:t>
             </a:fld>
             <a:endParaRPr lang="en-US"/>
           </a:p>
@@ -3264,7 +3264,7 @@
           <a:p>
             <a:fld id="{A0ED488F-2A15-9E45-85AE-3D27A09830A3}" type="datetimeFigureOut">
               <a:rPr lang="en-US" smtClean="0"/>
-              <a:t>8/13/18</a:t>
+              <a:t>8/28/18</a:t>
             </a:fld>
             <a:endParaRPr lang="en-US"/>
           </a:p>
@@ -4171,13 +4171,8 @@
             </a:pPr>
             <a:r>
               <a:rPr lang="zh-CN" altLang="en-US" dirty="0" smtClean="0"/>
-              <a:t>点击“我</a:t>
-            </a:r>
-            <a:r>
-              <a:rPr lang="zh-CN" altLang="en-US" dirty="0" smtClean="0"/>
-              <a:t>”</a:t>
-            </a:r>
-            <a:endParaRPr lang="zh-CN" altLang="en-US" dirty="0" smtClean="0"/>
+              <a:t>点击“我”</a:t>
+            </a:r>
           </a:p>
           <a:p>
             <a:pPr marL="342900" indent="-342900" algn="l">
@@ -4186,17 +4181,8 @@
             </a:pPr>
             <a:r>
               <a:rPr lang="zh-CN" altLang="en-US" dirty="0" smtClean="0"/>
-              <a:t>点击“相册</a:t>
-            </a:r>
-            <a:r>
-              <a:rPr lang="zh-CN" altLang="en-US" dirty="0" smtClean="0"/>
-              <a:t>”</a:t>
-            </a:r>
-            <a:r>
-              <a:rPr lang="zh-CN" altLang="en-US" dirty="0" smtClean="0"/>
-              <a:t>进入我发的朋友圈</a:t>
-            </a:r>
-            <a:endParaRPr lang="zh-CN" altLang="en-US" dirty="0" smtClean="0"/>
+              <a:t>点击“相册”进入我发的朋友圈</a:t>
+            </a:r>
           </a:p>
           <a:p>
             <a:pPr marL="342900" indent="-342900" algn="l">
@@ -4205,17 +4191,8 @@
             </a:pPr>
             <a:r>
               <a:rPr lang="zh-CN" altLang="en-US" dirty="0" smtClean="0"/>
-              <a:t>打开一</a:t>
-            </a:r>
-            <a:r>
-              <a:rPr lang="zh-CN" altLang="en-US" dirty="0" smtClean="0"/>
-              <a:t>个</a:t>
-            </a:r>
-            <a:r>
-              <a:rPr lang="zh-CN" altLang="en-US" dirty="0" smtClean="0"/>
-              <a:t>朋友圈</a:t>
-            </a:r>
-            <a:endParaRPr lang="zh-CN" altLang="en-US" dirty="0" smtClean="0"/>
+              <a:t>打开一个朋友圈</a:t>
+            </a:r>
           </a:p>
         </p:txBody>
       </p:sp>
